--- a/LetsCollab.pptx
+++ b/LetsCollab.pptx
@@ -5416,19 +5416,7 @@
               <a:buAutoNum type="arabicPeriod"/>
             </a:pPr>
             <a:r>
-              <a:rPr lang="en-US" dirty="0">
-                <a:latin typeface="Times New Roman" panose="02020603050405020304" pitchFamily="18" charset="0"/>
-                <a:cs typeface="Times New Roman" panose="02020603050405020304" pitchFamily="18" charset="0"/>
-              </a:rPr>
-              <a:t>JSP : All front end logic has been written in JSP.</a:t>
-            </a:r>
-          </a:p>
-          <a:p>
-            <a:pPr marL="502920" indent="-457200">
-              <a:buAutoNum type="arabicPeriod"/>
-            </a:pPr>
-            <a:r>
-              <a:rPr lang="en-US" dirty="0" err="1">
+              <a:rPr lang="en-US" dirty="0" err="1" smtClean="0">
                 <a:latin typeface="Times New Roman" panose="02020603050405020304" pitchFamily="18" charset="0"/>
                 <a:cs typeface="Times New Roman" panose="02020603050405020304" pitchFamily="18" charset="0"/>
               </a:rPr>
@@ -6264,7 +6252,7 @@
                 <a:hlinkClick r:id="rId3">
                   <a:extLst>
                     <a:ext uri="{A12FA001-AC4F-418D-AE19-62706E023703}">
-                      <ahyp:hlinkClr xmlns:ahyp="http://schemas.microsoft.com/office/drawing/2018/hyperlinkcolor" xmlns="" val="tx"/>
+                      <ahyp:hlinkClr xmlns="" xmlns:ahyp="http://schemas.microsoft.com/office/drawing/2018/hyperlinkcolor" val="tx"/>
                     </a:ext>
                   </a:extLst>
                 </a:hlinkClick>
@@ -6276,7 +6264,7 @@
                 <a:hlinkClick r:id="rId3">
                   <a:extLst>
                     <a:ext uri="{A12FA001-AC4F-418D-AE19-62706E023703}">
-                      <ahyp:hlinkClr xmlns:ahyp="http://schemas.microsoft.com/office/drawing/2018/hyperlinkcolor" xmlns="" val="tx"/>
+                      <ahyp:hlinkClr xmlns="" xmlns:ahyp="http://schemas.microsoft.com/office/drawing/2018/hyperlinkcolor" val="tx"/>
                     </a:ext>
                   </a:extLst>
                 </a:hlinkClick>
